--- a/docs/Thuyết trình/Thuyết Trình.pptx
+++ b/docs/Thuyết trình/Thuyết Trình.pptx
@@ -493,7 +493,7 @@
           <a:p>
             <a:fld id="{AE734413-4D24-47FF-BA33-738B232874A7}" type="datetimeFigureOut">
               <a:rPr lang="en-US" smtClean="0"/>
-              <a:t>5/10/2015</a:t>
+              <a:t>5/11/2015</a:t>
             </a:fld>
             <a:endParaRPr lang="en-US"/>
           </a:p>
@@ -761,6 +761,90 @@
     </a:lvl9pPr>
   </p:notesStyle>
 </p:notesMaster>
+</file>
+
+<file path=ppt/notesSlides/notesSlide1.xml><?xml version="1.0" encoding="utf-8"?>
+<p:notes xmlns:a="http://schemas.openxmlformats.org/drawingml/2006/main" xmlns:r="http://schemas.openxmlformats.org/officeDocument/2006/relationships" xmlns:p="http://schemas.openxmlformats.org/presentationml/2006/main">
+  <p:cSld>
+    <p:spTree>
+      <p:nvGrpSpPr>
+        <p:cNvPr id="1" name=""/>
+        <p:cNvGrpSpPr/>
+        <p:nvPr/>
+      </p:nvGrpSpPr>
+      <p:grpSpPr>
+        <a:xfrm>
+          <a:off x="0" y="0"/>
+          <a:ext cx="0" cy="0"/>
+          <a:chOff x="0" y="0"/>
+          <a:chExt cx="0" cy="0"/>
+        </a:xfrm>
+      </p:grpSpPr>
+      <p:sp>
+        <p:nvSpPr>
+          <p:cNvPr id="2" name="Slide Image Placeholder 1"/>
+          <p:cNvSpPr>
+            <a:spLocks noGrp="1" noRot="1" noChangeAspect="1"/>
+          </p:cNvSpPr>
+          <p:nvPr>
+            <p:ph type="sldImg"/>
+          </p:nvPr>
+        </p:nvSpPr>
+        <p:spPr/>
+      </p:sp>
+      <p:sp>
+        <p:nvSpPr>
+          <p:cNvPr id="3" name="Notes Placeholder 2"/>
+          <p:cNvSpPr>
+            <a:spLocks noGrp="1"/>
+          </p:cNvSpPr>
+          <p:nvPr>
+            <p:ph type="body" idx="1"/>
+          </p:nvPr>
+        </p:nvSpPr>
+        <p:spPr/>
+        <p:txBody>
+          <a:bodyPr/>
+          <a:lstStyle/>
+          <a:p>
+            <a:endParaRPr lang="en-US"/>
+          </a:p>
+        </p:txBody>
+      </p:sp>
+      <p:sp>
+        <p:nvSpPr>
+          <p:cNvPr id="4" name="Slide Number Placeholder 3"/>
+          <p:cNvSpPr>
+            <a:spLocks noGrp="1"/>
+          </p:cNvSpPr>
+          <p:nvPr>
+            <p:ph type="sldNum" sz="quarter" idx="10"/>
+          </p:nvPr>
+        </p:nvSpPr>
+        <p:spPr/>
+        <p:txBody>
+          <a:bodyPr/>
+          <a:lstStyle/>
+          <a:p>
+            <a:fld id="{BBCD07B7-96F5-4C30-B1AE-663A2A3D75FB}" type="slidenum">
+              <a:rPr lang="en-US" smtClean="0"/>
+              <a:t>7</a:t>
+            </a:fld>
+            <a:endParaRPr lang="en-US"/>
+          </a:p>
+        </p:txBody>
+      </p:sp>
+    </p:spTree>
+    <p:extLst>
+      <p:ext uri="{BB962C8B-B14F-4D97-AF65-F5344CB8AC3E}">
+        <p14:creationId xmlns:p14="http://schemas.microsoft.com/office/powerpoint/2010/main" val="2820102540"/>
+      </p:ext>
+    </p:extLst>
+  </p:cSld>
+  <p:clrMapOvr>
+    <a:masterClrMapping/>
+  </p:clrMapOvr>
+</p:notes>
 </file>
 
 <file path=ppt/slideLayouts/slideLayout1.xml><?xml version="1.0" encoding="utf-8"?>
@@ -4480,17 +4564,7 @@
                 <a:latin typeface="Times New Roman" pitchFamily="18" charset="0"/>
                 <a:cs typeface="Times New Roman" pitchFamily="18" charset="0"/>
               </a:rPr>
-              <a:t> </a:t>
-            </a:r>
-            <a:r>
-              <a:rPr lang="en-US" sz="1800" i="1" err="1" smtClean="0">
-                <a:solidFill>
-                  <a:srgbClr val="000000"/>
-                </a:solidFill>
-                <a:latin typeface="Times New Roman" pitchFamily="18" charset="0"/>
-                <a:cs typeface="Times New Roman" pitchFamily="18" charset="0"/>
-              </a:rPr>
-              <a:t>dẫn</a:t>
+              <a:t> dẫn</a:t>
             </a:r>
             <a:r>
               <a:rPr lang="en-US" sz="1800" smtClean="0">
@@ -4500,27 +4574,7 @@
                 <a:latin typeface="Times New Roman" pitchFamily="18" charset="0"/>
                 <a:cs typeface="Times New Roman" pitchFamily="18" charset="0"/>
               </a:rPr>
-              <a:t>: </a:t>
-            </a:r>
-            <a:r>
-              <a:rPr lang="en-US" sz="1800" err="1" smtClean="0">
-                <a:solidFill>
-                  <a:srgbClr val="000000"/>
-                </a:solidFill>
-                <a:latin typeface="Times New Roman" pitchFamily="18" charset="0"/>
-                <a:cs typeface="Times New Roman" pitchFamily="18" charset="0"/>
-              </a:rPr>
-              <a:t>Thiếu</a:t>
-            </a:r>
-            <a:r>
-              <a:rPr lang="en-US" sz="1800" smtClean="0">
-                <a:solidFill>
-                  <a:srgbClr val="000000"/>
-                </a:solidFill>
-                <a:latin typeface="Times New Roman" pitchFamily="18" charset="0"/>
-                <a:cs typeface="Times New Roman" pitchFamily="18" charset="0"/>
-              </a:rPr>
-              <a:t> </a:t>
+              <a:t>: Thiếu </a:t>
             </a:r>
             <a:r>
               <a:rPr lang="en-US" sz="1800" err="1" smtClean="0">
@@ -4674,7 +4728,7 @@
                 <a:latin typeface="Times New Roman" pitchFamily="18" charset="0"/>
                 <a:cs typeface="Times New Roman" pitchFamily="18" charset="0"/>
               </a:rPr>
-              <a:t>: Tin </a:t>
+              <a:t>:  Tin </a:t>
             </a:r>
             <a:r>
               <a:rPr lang="en-US" sz="1800" err="1" smtClean="0">
@@ -6577,11 +6631,7 @@
             <a:pPr algn="l"/>
             <a:r>
               <a:rPr lang="en-US" smtClean="0"/>
-              <a:t>3</a:t>
-            </a:r>
-            <a:r>
-              <a:rPr lang="en-US" smtClean="0"/>
-              <a:t>. Mô hình dữ liệu</a:t>
+              <a:t>3. Mô hình dữ liệu</a:t>
             </a:r>
             <a:endParaRPr lang="en-US"/>
           </a:p>
@@ -8136,11 +8186,7 @@
             <a:pPr algn="l"/>
             <a:r>
               <a:rPr lang="en-US" smtClean="0"/>
-              <a:t>3</a:t>
-            </a:r>
-            <a:r>
-              <a:rPr lang="en-US" smtClean="0"/>
-              <a:t>. Mô hình dữ liệu</a:t>
+              <a:t>3. Mô hình dữ liệu</a:t>
             </a:r>
             <a:endParaRPr lang="en-US"/>
           </a:p>
@@ -10249,27 +10295,8 @@
                 </a:solidFill>
                 <a:latin typeface="+mj-lt"/>
               </a:rPr>
-              <a:t>Không dùng điểm số để đánh giá thường </a:t>
-            </a:r>
-            <a:r>
-              <a:rPr lang="en-US" sz="2000" smtClean="0">
-                <a:solidFill>
-                  <a:schemeClr val="bg2">
-                    <a:lumMod val="10000"/>
-                  </a:schemeClr>
-                </a:solidFill>
-                <a:latin typeface="+mj-lt"/>
-              </a:rPr>
-              <a:t>xuyên</a:t>
-            </a:r>
-            <a:endParaRPr lang="en-US" sz="2000" smtClean="0">
-              <a:solidFill>
-                <a:schemeClr val="bg2">
-                  <a:lumMod val="10000"/>
-                </a:schemeClr>
-              </a:solidFill>
-              <a:latin typeface="+mj-lt"/>
-            </a:endParaRPr>
+              <a:t>Không dùng điểm số để đánh giá thường xuyên</a:t>
+            </a:r>
           </a:p>
           <a:p>
             <a:pPr lvl="2">
@@ -10316,8 +10343,13 @@
                 </a:solidFill>
                 <a:latin typeface="+mj-lt"/>
               </a:rPr>
-              <a:t>Phát hiện khó khăn</a:t>
-            </a:r>
+              <a:t>Phát hiện khó khăn, thắc mắc và</a:t>
+            </a:r>
+          </a:p>
+          <a:p>
+            <a:pPr marL="914400" lvl="2" indent="0">
+              <a:buNone/>
+            </a:pPr>
             <a:r>
               <a:rPr lang="en-US" sz="2000" smtClean="0">
                 <a:solidFill>
@@ -10327,12 +10359,13 @@
                 </a:solidFill>
                 <a:latin typeface="+mj-lt"/>
               </a:rPr>
-              <a:t>, thắc mắc và</a:t>
-            </a:r>
-          </a:p>
-          <a:p>
-            <a:pPr marL="914400" lvl="2" indent="0">
-              <a:buNone/>
+              <a:t>    cùng gia đình tháo gỡ </a:t>
+            </a:r>
+          </a:p>
+          <a:p>
+            <a:pPr lvl="2">
+              <a:buFont typeface="Arial" pitchFamily="34" charset="0"/>
+              <a:buChar char="•"/>
             </a:pPr>
             <a:r>
               <a:rPr lang="en-US" sz="2000" smtClean="0">
@@ -10343,85 +10376,8 @@
                 </a:solidFill>
                 <a:latin typeface="+mj-lt"/>
               </a:rPr>
-              <a:t>    </a:t>
-            </a:r>
-            <a:r>
-              <a:rPr lang="en-US" sz="2000" smtClean="0">
-                <a:solidFill>
-                  <a:schemeClr val="bg2">
-                    <a:lumMod val="10000"/>
-                  </a:schemeClr>
-                </a:solidFill>
-                <a:latin typeface="+mj-lt"/>
-              </a:rPr>
-              <a:t>cùng gia đình </a:t>
-            </a:r>
-            <a:r>
-              <a:rPr lang="en-US" sz="2000" smtClean="0">
-                <a:solidFill>
-                  <a:schemeClr val="bg2">
-                    <a:lumMod val="10000"/>
-                  </a:schemeClr>
-                </a:solidFill>
-                <a:latin typeface="+mj-lt"/>
-              </a:rPr>
-              <a:t>tháo gỡ </a:t>
-            </a:r>
-            <a:endParaRPr lang="en-US" sz="2000" smtClean="0">
-              <a:solidFill>
-                <a:schemeClr val="bg2">
-                  <a:lumMod val="10000"/>
-                </a:schemeClr>
-              </a:solidFill>
-              <a:latin typeface="+mj-lt"/>
-            </a:endParaRPr>
-          </a:p>
-          <a:p>
-            <a:pPr lvl="2">
-              <a:buFont typeface="Arial" pitchFamily="34" charset="0"/>
-              <a:buChar char="•"/>
-            </a:pPr>
-            <a:r>
-              <a:rPr lang="en-US" sz="2000" smtClean="0">
-                <a:solidFill>
-                  <a:schemeClr val="bg2">
-                    <a:lumMod val="10000"/>
-                  </a:schemeClr>
-                </a:solidFill>
-                <a:latin typeface="+mj-lt"/>
-              </a:rPr>
-              <a:t>Động </a:t>
-            </a:r>
-            <a:r>
-              <a:rPr lang="en-US" sz="2000" smtClean="0">
-                <a:solidFill>
-                  <a:schemeClr val="bg2">
-                    <a:lumMod val="10000"/>
-                  </a:schemeClr>
-                </a:solidFill>
-                <a:latin typeface="+mj-lt"/>
-              </a:rPr>
-              <a:t>viên, khích lệ những tiến </a:t>
-            </a:r>
-            <a:r>
-              <a:rPr lang="en-US" sz="2000" smtClean="0">
-                <a:solidFill>
-                  <a:schemeClr val="bg2">
-                    <a:lumMod val="10000"/>
-                  </a:schemeClr>
-                </a:solidFill>
-                <a:latin typeface="+mj-lt"/>
-              </a:rPr>
-              <a:t>bộ </a:t>
-            </a:r>
-            <a:endParaRPr lang="en-US" sz="2000" smtClean="0">
-              <a:solidFill>
-                <a:schemeClr val="bg2">
-                  <a:lumMod val="10000"/>
-                </a:schemeClr>
-              </a:solidFill>
-              <a:latin typeface="+mj-lt"/>
-            </a:endParaRPr>
+              <a:t>Động viên, khích lệ những tiến bộ </a:t>
+            </a:r>
           </a:p>
           <a:p>
             <a:pPr lvl="2">
@@ -10536,11 +10492,7 @@
             <a:pPr algn="l"/>
             <a:r>
               <a:rPr lang="en-US" smtClean="0"/>
-              <a:t>1</a:t>
-            </a:r>
-            <a:r>
-              <a:rPr lang="en-US" smtClean="0"/>
-              <a:t>. </a:t>
+              <a:t>1. </a:t>
             </a:r>
             <a:r>
               <a:rPr lang="en-US" err="1" smtClean="0"/>
@@ -10848,11 +10800,7 @@
             <a:pPr algn="l"/>
             <a:r>
               <a:rPr lang="en-US" smtClean="0"/>
-              <a:t>1</a:t>
-            </a:r>
-            <a:r>
-              <a:rPr lang="en-US" smtClean="0"/>
-              <a:t>. </a:t>
+              <a:t>1. </a:t>
             </a:r>
             <a:r>
               <a:rPr lang="en-US" err="1" smtClean="0"/>
@@ -11026,14 +10974,6 @@
               </a:rPr>
               <a:t>Nhược điểm</a:t>
             </a:r>
-            <a:endParaRPr lang="en-US" smtClean="0">
-              <a:solidFill>
-                <a:schemeClr val="bg2">
-                  <a:lumMod val="10000"/>
-                </a:schemeClr>
-              </a:solidFill>
-              <a:latin typeface="+mj-lt"/>
-            </a:endParaRPr>
           </a:p>
         </p:txBody>
       </p:sp>
@@ -11059,7 +10999,7 @@
         </p:blipFill>
         <p:spPr>
           <a:xfrm>
-            <a:off x="838200" y="1905000"/>
+            <a:off x="457200" y="1905000"/>
             <a:ext cx="3200400" cy="1981200"/>
           </a:xfrm>
           <a:prstGeom prst="rect">
@@ -11067,68 +11007,38 @@
           </a:prstGeom>
         </p:spPr>
       </p:pic>
-      <p:pic>
-        <p:nvPicPr>
-          <p:cNvPr id="3" name="Picture 2"/>
-          <p:cNvPicPr>
-            <a:picLocks noChangeAspect="1"/>
-          </p:cNvPicPr>
-          <p:nvPr/>
-        </p:nvPicPr>
-        <p:blipFill>
-          <a:blip r:embed="rId3">
-            <a:extLst>
-              <a:ext uri="{28A0092B-C50C-407E-A947-70E740481C1C}">
-                <a14:useLocalDpi xmlns:a14="http://schemas.microsoft.com/office/drawing/2010/main" val="0"/>
-              </a:ext>
-            </a:extLst>
-          </a:blip>
-          <a:stretch>
-            <a:fillRect/>
-          </a:stretch>
-        </p:blipFill>
-        <p:spPr>
-          <a:xfrm>
-            <a:off x="5029200" y="1905000"/>
-            <a:ext cx="3200400" cy="1987827"/>
-          </a:xfrm>
-          <a:prstGeom prst="rect">
-            <a:avLst/>
-          </a:prstGeom>
-        </p:spPr>
-      </p:pic>
       <p:grpSp>
         <p:nvGrpSpPr>
-          <p:cNvPr id="13" name="Group 12"/>
+          <p:cNvPr id="7" name="Group 6"/>
           <p:cNvGrpSpPr/>
           <p:nvPr/>
         </p:nvGrpSpPr>
         <p:grpSpPr>
           <a:xfrm>
-            <a:off x="1447800" y="4038600"/>
-            <a:ext cx="6553200" cy="2667000"/>
-            <a:chOff x="1371600" y="4038600"/>
-            <a:chExt cx="6553200" cy="2667000"/>
+            <a:off x="1828800" y="4297362"/>
+            <a:ext cx="5791200" cy="2527508"/>
+            <a:chOff x="1828800" y="4131159"/>
+            <a:chExt cx="6096000" cy="2693711"/>
           </a:xfrm>
         </p:grpSpPr>
         <p:pic>
           <p:nvPicPr>
-            <p:cNvPr id="11" name="Picture 10"/>
+            <p:cNvPr id="4" name="Picture 3"/>
             <p:cNvPicPr>
               <a:picLocks noChangeAspect="1"/>
             </p:cNvPicPr>
             <p:nvPr/>
           </p:nvPicPr>
           <p:blipFill>
-            <a:blip r:embed="rId4"/>
+            <a:blip r:embed="rId3"/>
             <a:stretch>
               <a:fillRect/>
             </a:stretch>
           </p:blipFill>
           <p:spPr>
             <a:xfrm>
-              <a:off x="1371600" y="4038600"/>
-              <a:ext cx="6553200" cy="2667000"/>
+              <a:off x="1828800" y="4131159"/>
+              <a:ext cx="6096000" cy="2693711"/>
             </a:xfrm>
             <a:prstGeom prst="rect">
               <a:avLst/>
@@ -11137,16 +11047,16 @@
         </p:pic>
         <p:sp>
           <p:nvSpPr>
-            <p:cNvPr id="12" name="Cloud Callout 11"/>
+            <p:cNvPr id="5" name="Cloud 4"/>
             <p:cNvSpPr/>
             <p:nvPr/>
           </p:nvSpPr>
           <p:spPr>
             <a:xfrm>
-              <a:off x="3886200" y="4419600"/>
-              <a:ext cx="1676400" cy="1524000"/>
+              <a:off x="3924300" y="4486293"/>
+              <a:ext cx="1905000" cy="1605618"/>
             </a:xfrm>
-            <a:prstGeom prst="cloudCallout">
+            <a:prstGeom prst="cloud">
               <a:avLst/>
             </a:prstGeom>
           </p:spPr>
@@ -11172,14 +11082,38 @@
             <a:p>
               <a:pPr algn="ctr"/>
               <a:r>
-                <a:rPr lang="en-US" smtClean="0"/>
-                <a:t>Trao đổi thường xuyên bất tiện</a:t>
+                <a:rPr lang="en-US" sz="1400" smtClean="0"/>
+                <a:t>Trao đổi thường xuyên khó khăn</a:t>
               </a:r>
-              <a:endParaRPr lang="en-US"/>
+              <a:endParaRPr lang="en-US" sz="1400"/>
             </a:p>
           </p:txBody>
         </p:sp>
       </p:grpSp>
+      <p:pic>
+        <p:nvPicPr>
+          <p:cNvPr id="8" name="Picture 7"/>
+          <p:cNvPicPr>
+            <a:picLocks noChangeAspect="1"/>
+          </p:cNvPicPr>
+          <p:nvPr/>
+        </p:nvPicPr>
+        <p:blipFill>
+          <a:blip r:embed="rId4"/>
+          <a:stretch>
+            <a:fillRect/>
+          </a:stretch>
+        </p:blipFill>
+        <p:spPr>
+          <a:xfrm>
+            <a:off x="4038600" y="1715795"/>
+            <a:ext cx="4592053" cy="2359610"/>
+          </a:xfrm>
+          <a:prstGeom prst="rect">
+            <a:avLst/>
+          </a:prstGeom>
+        </p:spPr>
+      </p:pic>
     </p:spTree>
     <p:extLst>
       <p:ext uri="{BB962C8B-B14F-4D97-AF65-F5344CB8AC3E}">
@@ -11315,7 +11249,7 @@
                                           </p:stCondLst>
                                         </p:cTn>
                                         <p:tgtEl>
-                                          <p:spTgt spid="3"/>
+                                          <p:spTgt spid="8"/>
                                         </p:tgtEl>
                                         <p:attrNameLst>
                                           <p:attrName>style.visibility</p:attrName>
@@ -11329,7 +11263,7 @@
                                       <p:cBhvr additive="base">
                                         <p:cTn id="13" dur="500" fill="hold"/>
                                         <p:tgtEl>
-                                          <p:spTgt spid="3"/>
+                                          <p:spTgt spid="8"/>
                                         </p:tgtEl>
                                         <p:attrNameLst>
                                           <p:attrName>ppt_x</p:attrName>
@@ -11352,7 +11286,7 @@
                                       <p:cBhvr additive="base">
                                         <p:cTn id="14" dur="500" fill="hold"/>
                                         <p:tgtEl>
-                                          <p:spTgt spid="3"/>
+                                          <p:spTgt spid="8"/>
                                         </p:tgtEl>
                                         <p:attrNameLst>
                                           <p:attrName>ppt_y</p:attrName>
@@ -11406,7 +11340,7 @@
                                           </p:stCondLst>
                                         </p:cTn>
                                         <p:tgtEl>
-                                          <p:spTgt spid="13"/>
+                                          <p:spTgt spid="7"/>
                                         </p:tgtEl>
                                         <p:attrNameLst>
                                           <p:attrName>style.visibility</p:attrName>
@@ -11420,7 +11354,7 @@
                                       <p:cBhvr additive="base">
                                         <p:cTn id="19" dur="500" fill="hold"/>
                                         <p:tgtEl>
-                                          <p:spTgt spid="13"/>
+                                          <p:spTgt spid="7"/>
                                         </p:tgtEl>
                                         <p:attrNameLst>
                                           <p:attrName>ppt_x</p:attrName>
@@ -11443,7 +11377,7 @@
                                       <p:cBhvr additive="base">
                                         <p:cTn id="20" dur="500" fill="hold"/>
                                         <p:tgtEl>
-                                          <p:spTgt spid="13"/>
+                                          <p:spTgt spid="7"/>
                                         </p:tgtEl>
                                         <p:attrNameLst>
                                           <p:attrName>ppt_y</p:attrName>
@@ -11536,11 +11470,7 @@
             <a:pPr algn="l"/>
             <a:r>
               <a:rPr lang="en-US" smtClean="0"/>
-              <a:t>2</a:t>
-            </a:r>
-            <a:r>
-              <a:rPr lang="en-US" smtClean="0"/>
-              <a:t>. Thiết kế chức năng</a:t>
+              <a:t>2. Thiết kế chức năng</a:t>
             </a:r>
             <a:endParaRPr lang="en-US"/>
           </a:p>
@@ -11770,7 +11700,7 @@
           <p:nvPr/>
         </p:nvPicPr>
         <p:blipFill>
-          <a:blip r:embed="rId2"/>
+          <a:blip r:embed="rId3"/>
           <a:stretch>
             <a:fillRect/>
           </a:stretch>

--- a/docs/Thuyết trình/Thuyết Trình.pptx
+++ b/docs/Thuyết trình/Thuyết Trình.pptx
@@ -5,10 +5,10 @@
     <p:sldMasterId id="2147483648" r:id="rId1"/>
   </p:sldMasterIdLst>
   <p:notesMasterIdLst>
-    <p:notesMasterId r:id="rId30"/>
+    <p:notesMasterId r:id="rId28"/>
   </p:notesMasterIdLst>
   <p:handoutMasterIdLst>
-    <p:handoutMasterId r:id="rId31"/>
+    <p:handoutMasterId r:id="rId29"/>
   </p:handoutMasterIdLst>
   <p:sldIdLst>
     <p:sldId id="256" r:id="rId2"/>
@@ -17,7 +17,7 @@
     <p:sldId id="293" r:id="rId5"/>
     <p:sldId id="294" r:id="rId6"/>
     <p:sldId id="295" r:id="rId7"/>
-    <p:sldId id="292" r:id="rId8"/>
+    <p:sldId id="317" r:id="rId8"/>
     <p:sldId id="296" r:id="rId9"/>
     <p:sldId id="297" r:id="rId10"/>
     <p:sldId id="298" r:id="rId11"/>
@@ -27,18 +27,16 @@
     <p:sldId id="303" r:id="rId15"/>
     <p:sldId id="304" r:id="rId16"/>
     <p:sldId id="305" r:id="rId17"/>
-    <p:sldId id="306" r:id="rId18"/>
-    <p:sldId id="307" r:id="rId19"/>
-    <p:sldId id="308" r:id="rId20"/>
-    <p:sldId id="309" r:id="rId21"/>
-    <p:sldId id="260" r:id="rId22"/>
-    <p:sldId id="310" r:id="rId23"/>
-    <p:sldId id="311" r:id="rId24"/>
-    <p:sldId id="312" r:id="rId25"/>
-    <p:sldId id="313" r:id="rId26"/>
-    <p:sldId id="315" r:id="rId27"/>
-    <p:sldId id="316" r:id="rId28"/>
-    <p:sldId id="276" r:id="rId29"/>
+    <p:sldId id="307" r:id="rId18"/>
+    <p:sldId id="308" r:id="rId19"/>
+    <p:sldId id="309" r:id="rId20"/>
+    <p:sldId id="260" r:id="rId21"/>
+    <p:sldId id="310" r:id="rId22"/>
+    <p:sldId id="312" r:id="rId23"/>
+    <p:sldId id="313" r:id="rId24"/>
+    <p:sldId id="315" r:id="rId25"/>
+    <p:sldId id="316" r:id="rId26"/>
+    <p:sldId id="276" r:id="rId27"/>
   </p:sldIdLst>
   <p:sldSz cx="9144000" cy="6858000" type="screen4x3"/>
   <p:notesSz cx="7102475" cy="8991600"/>
@@ -493,6 +491,7 @@
           <a:p>
             <a:fld id="{AE734413-4D24-47FF-BA33-738B232874A7}" type="datetimeFigureOut">
               <a:rPr lang="en-US" smtClean="0"/>
+              <a:pPr/>
               <a:t>5/11/2015</a:t>
             </a:fld>
             <a:endParaRPr lang="en-US"/>
@@ -654,6 +653,7 @@
           <a:p>
             <a:fld id="{BBCD07B7-96F5-4C30-B1AE-663A2A3D75FB}" type="slidenum">
               <a:rPr lang="en-US" smtClean="0"/>
+              <a:pPr/>
               <a:t>‹#›</a:t>
             </a:fld>
             <a:endParaRPr lang="en-US"/>
@@ -807,6 +807,44 @@
           <a:bodyPr/>
           <a:lstStyle/>
           <a:p>
+            <a:r>
+              <a:rPr lang="en-US" smtClean="0"/>
+              <a:t>Cần</a:t>
+            </a:r>
+            <a:r>
+              <a:rPr lang="en-US" baseline="0" smtClean="0"/>
+              <a:t> có sự mạch lạc, liên hệ giữa các slide</a:t>
+            </a:r>
+          </a:p>
+          <a:p>
+            <a:r>
+              <a:rPr lang="en-US" baseline="0" smtClean="0"/>
+              <a:t>Nói tổng thể (ko đi vào tiểu tiết)- Nói 1,2 câu đầu tóm tắt chủ đề.Khi nào thầy hỏi thì mới trả lời chi tiêt</a:t>
+            </a:r>
+          </a:p>
+          <a:p>
+            <a:r>
+              <a:rPr lang="en-US" baseline="0" smtClean="0"/>
+              <a:t>Giao dien : Dua ra cac giao dien chinh thoi(4 cai)</a:t>
+            </a:r>
+          </a:p>
+          <a:p>
+            <a:r>
+              <a:rPr lang="en-US" baseline="0" smtClean="0"/>
+              <a:t>Chỉ nói các chức năng chính của hệ thống thôi(tập trung vào những cái đó)</a:t>
+            </a:r>
+          </a:p>
+          <a:p>
+            <a:r>
+              <a:rPr lang="en-US" baseline="0" smtClean="0"/>
+              <a:t>Đánh số slide</a:t>
+            </a:r>
+          </a:p>
+          <a:p>
+            <a:r>
+              <a:rPr lang="en-US" baseline="0" smtClean="0"/>
+              <a:t>Vừa chỉ vừa nois</a:t>
+            </a:r>
             <a:endParaRPr lang="en-US"/>
           </a:p>
         </p:txBody>
@@ -828,7 +866,8 @@
           <a:p>
             <a:fld id="{BBCD07B7-96F5-4C30-B1AE-663A2A3D75FB}" type="slidenum">
               <a:rPr lang="en-US" smtClean="0"/>
-              <a:t>7</a:t>
+              <a:pPr/>
+              <a:t>3</a:t>
             </a:fld>
             <a:endParaRPr lang="en-US"/>
           </a:p>
@@ -837,7 +876,7 @@
     </p:spTree>
     <p:extLst>
       <p:ext uri="{BB962C8B-B14F-4D97-AF65-F5344CB8AC3E}">
-        <p14:creationId xmlns:p14="http://schemas.microsoft.com/office/powerpoint/2010/main" val="2820102540"/>
+        <p14:creationId xmlns:p14="http://schemas.microsoft.com/office/powerpoint/2010/main" val="3916378382"/>
       </p:ext>
     </p:extLst>
   </p:cSld>
@@ -4594,7 +4633,7 @@
                 <a:latin typeface="Times New Roman" pitchFamily="18" charset="0"/>
                 <a:cs typeface="Times New Roman" pitchFamily="18" charset="0"/>
               </a:rPr>
-              <a:t>, THS. NGUYỄN HOÀI ANH</a:t>
+              <a:t>, Th.S NGUYỄN HOÀI ANH</a:t>
             </a:r>
           </a:p>
           <a:p>
@@ -5354,7 +5393,7 @@
             <a:pPr algn="l"/>
             <a:r>
               <a:rPr lang="en-US" smtClean="0"/>
-              <a:t>2. Thiết kế chức năng</a:t>
+              <a:t>2. Mô hình chức năng</a:t>
             </a:r>
             <a:endParaRPr lang="en-US"/>
           </a:p>
@@ -5497,7 +5536,7 @@
             <a:pPr algn="l"/>
             <a:r>
               <a:rPr lang="en-US" smtClean="0"/>
-              <a:t>2. Thiết kế chức năng</a:t>
+              <a:t>2. Mô hình chức năng</a:t>
             </a:r>
             <a:endParaRPr lang="en-US"/>
           </a:p>
@@ -6378,7 +6417,7 @@
           <a:p>
             <a:r>
               <a:rPr lang="en-US" smtClean="0"/>
-              <a:t>Biểu đồ tuần tự “Nhập điểm Toán, Văn”</a:t>
+              <a:t>Biểu đồ tuần tự “Tra cứu học bạ”</a:t>
             </a:r>
             <a:endParaRPr lang="en-US"/>
           </a:p>
@@ -6411,7 +6450,7 @@
       </p:sp>
       <p:pic>
         <p:nvPicPr>
-          <p:cNvPr id="3" name="Picture 2"/>
+          <p:cNvPr id="4" name="Picture 3"/>
           <p:cNvPicPr>
             <a:picLocks noChangeAspect="1"/>
           </p:cNvPicPr>
@@ -6425,8 +6464,8 @@
         </p:blipFill>
         <p:spPr>
           <a:xfrm>
-            <a:off x="457199" y="1905000"/>
-            <a:ext cx="8229601" cy="4724400"/>
+            <a:off x="533400" y="1981200"/>
+            <a:ext cx="8077200" cy="4622800"/>
           </a:xfrm>
           <a:prstGeom prst="rect">
             <a:avLst/>
@@ -6436,7 +6475,7 @@
     </p:spTree>
     <p:extLst>
       <p:ext uri="{BB962C8B-B14F-4D97-AF65-F5344CB8AC3E}">
-        <p14:creationId xmlns:p14="http://schemas.microsoft.com/office/powerpoint/2010/main" val="2466056134"/>
+        <p14:creationId xmlns:p14="http://schemas.microsoft.com/office/powerpoint/2010/main" val="335743114"/>
       </p:ext>
     </p:extLst>
   </p:cSld>
@@ -6493,7 +6532,7 @@
             <a:pPr algn="l"/>
             <a:r>
               <a:rPr lang="en-US" smtClean="0"/>
-              <a:t>2. Thiết kế chức năng</a:t>
+              <a:t>3. Mô hình dữ liệu</a:t>
             </a:r>
             <a:endParaRPr lang="en-US"/>
           </a:p>
@@ -6516,9 +6555,15 @@
           <a:p>
             <a:r>
               <a:rPr lang="en-US" smtClean="0"/>
-              <a:t>Biểu đồ tuần tự “Tra cứu học bạ”</a:t>
+              <a:t>Mô hình 3.1</a:t>
             </a:r>
             <a:endParaRPr lang="en-US"/>
+          </a:p>
+          <a:p>
+            <a:pPr marL="0" indent="0">
+              <a:buNone/>
+            </a:pPr>
+            <a:endParaRPr lang="en-US" smtClean="0"/>
           </a:p>
         </p:txBody>
       </p:sp>
@@ -6549,7 +6594,7 @@
       </p:sp>
       <p:pic>
         <p:nvPicPr>
-          <p:cNvPr id="4" name="Picture 3"/>
+          <p:cNvPr id="14" name="Picture 13"/>
           <p:cNvPicPr>
             <a:picLocks noChangeAspect="1"/>
           </p:cNvPicPr>
@@ -6563,8 +6608,8 @@
         </p:blipFill>
         <p:spPr>
           <a:xfrm>
-            <a:off x="533400" y="1981200"/>
-            <a:ext cx="8077200" cy="4622800"/>
+            <a:off x="76200" y="1371600"/>
+            <a:ext cx="8991600" cy="5410200"/>
           </a:xfrm>
           <a:prstGeom prst="rect">
             <a:avLst/>
@@ -6574,7 +6619,7 @@
     </p:spTree>
     <p:extLst>
       <p:ext uri="{BB962C8B-B14F-4D97-AF65-F5344CB8AC3E}">
-        <p14:creationId xmlns:p14="http://schemas.microsoft.com/office/powerpoint/2010/main" val="335743114"/>
+        <p14:creationId xmlns:p14="http://schemas.microsoft.com/office/powerpoint/2010/main" val="3834090478"/>
       </p:ext>
     </p:extLst>
   </p:cSld>
@@ -6654,9 +6699,8 @@
           <a:p>
             <a:r>
               <a:rPr lang="en-US" smtClean="0"/>
-              <a:t>Mô hình 3.1</a:t>
-            </a:r>
-            <a:endParaRPr lang="en-US"/>
+              <a:t>Mô hình 3.2</a:t>
+            </a:r>
           </a:p>
           <a:p>
             <a:pPr marL="0" indent="0">
@@ -6693,7 +6737,7 @@
       </p:sp>
       <p:pic>
         <p:nvPicPr>
-          <p:cNvPr id="14" name="Picture 13"/>
+          <p:cNvPr id="16" name="Picture 15"/>
           <p:cNvPicPr>
             <a:picLocks noChangeAspect="1"/>
           </p:cNvPicPr>
@@ -6707,8 +6751,8 @@
         </p:blipFill>
         <p:spPr>
           <a:xfrm>
-            <a:off x="76200" y="1371600"/>
-            <a:ext cx="8991600" cy="5410200"/>
+            <a:off x="87086" y="1284286"/>
+            <a:ext cx="8980714" cy="5497513"/>
           </a:xfrm>
           <a:prstGeom prst="rect">
             <a:avLst/>
@@ -6718,7 +6762,7 @@
     </p:spTree>
     <p:extLst>
       <p:ext uri="{BB962C8B-B14F-4D97-AF65-F5344CB8AC3E}">
-        <p14:creationId xmlns:p14="http://schemas.microsoft.com/office/powerpoint/2010/main" val="3834090478"/>
+        <p14:creationId xmlns:p14="http://schemas.microsoft.com/office/powerpoint/2010/main" val="1976894288"/>
       </p:ext>
     </p:extLst>
   </p:cSld>
@@ -6941,67 +6985,13 @@
                 <a:t>    </a:t>
               </a:r>
               <a:r>
-                <a:rPr lang="en-US" sz="2000" b="1" err="1" smtClean="0">
-                  <a:solidFill>
-                    <a:srgbClr val="000000"/>
-                  </a:solidFill>
-                  <a:latin typeface="+mj-lt"/>
-                </a:rPr>
-                <a:t>Mô</a:t>
-              </a:r>
-              <a:r>
                 <a:rPr lang="en-US" sz="2000" b="1" smtClean="0">
                   <a:solidFill>
                     <a:srgbClr val="000000"/>
                   </a:solidFill>
                   <a:latin typeface="+mj-lt"/>
                 </a:rPr>
-                <a:t> </a:t>
-              </a:r>
-              <a:r>
-                <a:rPr lang="en-US" sz="2000" b="1" err="1" smtClean="0">
-                  <a:solidFill>
-                    <a:srgbClr val="000000"/>
-                  </a:solidFill>
-                  <a:latin typeface="+mj-lt"/>
-                </a:rPr>
-                <a:t>tả</a:t>
-              </a:r>
-              <a:r>
-                <a:rPr lang="en-US" sz="2000" b="1" smtClean="0">
-                  <a:solidFill>
-                    <a:srgbClr val="000000"/>
-                  </a:solidFill>
-                  <a:latin typeface="+mj-lt"/>
-                </a:rPr>
-                <a:t> </a:t>
-              </a:r>
-              <a:r>
-                <a:rPr lang="en-US" sz="2000" b="1" err="1" smtClean="0">
-                  <a:solidFill>
-                    <a:srgbClr val="000000"/>
-                  </a:solidFill>
-                  <a:latin typeface="+mj-lt"/>
-                </a:rPr>
-                <a:t>bài</a:t>
-              </a:r>
-              <a:r>
-                <a:rPr lang="en-US" sz="2000" b="1" smtClean="0">
-                  <a:solidFill>
-                    <a:srgbClr val="000000"/>
-                  </a:solidFill>
-                  <a:latin typeface="+mj-lt"/>
-                </a:rPr>
-                <a:t> </a:t>
-              </a:r>
-              <a:r>
-                <a:rPr lang="en-US" sz="2000" b="1" err="1" smtClean="0">
-                  <a:solidFill>
-                    <a:srgbClr val="000000"/>
-                  </a:solidFill>
-                  <a:latin typeface="+mj-lt"/>
-                </a:rPr>
-                <a:t>toán</a:t>
+                <a:t>Đặt vấn đề</a:t>
               </a:r>
               <a:endParaRPr lang="en-US" sz="2000" b="1">
                 <a:solidFill>
@@ -8165,7 +8155,7 @@
       </p:grpSpPr>
       <p:sp>
         <p:nvSpPr>
-          <p:cNvPr id="89090" name="Rectangle 2"/>
+          <p:cNvPr id="70658" name="Rectangle 2"/>
           <p:cNvSpPr>
             <a:spLocks noGrp="1" noChangeArrowheads="1"/>
           </p:cNvSpPr>
@@ -8175,8 +8165,8 @@
         </p:nvSpPr>
         <p:spPr>
           <a:xfrm>
-            <a:off x="1" y="547688"/>
-            <a:ext cx="8229599" cy="563562"/>
+            <a:off x="0" y="547688"/>
+            <a:ext cx="8229600" cy="563562"/>
           </a:xfrm>
         </p:spPr>
         <p:txBody>
@@ -8186,7 +8176,7 @@
             <a:pPr algn="l"/>
             <a:r>
               <a:rPr lang="en-US" smtClean="0"/>
-              <a:t>3. Mô hình dữ liệu</a:t>
+              <a:t>4. Xây dựng chương trình</a:t>
             </a:r>
             <a:endParaRPr lang="en-US"/>
           </a:p>
@@ -8202,27 +8192,159 @@
             <p:ph idx="1"/>
           </p:nvPr>
         </p:nvSpPr>
-        <p:spPr/>
+        <p:spPr>
+          <a:xfrm>
+            <a:off x="152400" y="1338263"/>
+            <a:ext cx="8534400" cy="5092700"/>
+          </a:xfrm>
+        </p:spPr>
         <p:txBody>
           <a:bodyPr/>
           <a:lstStyle/>
           <a:p>
             <a:r>
-              <a:rPr lang="en-US" smtClean="0"/>
-              <a:t>Mô hình 3.2</a:t>
-            </a:r>
-          </a:p>
-          <a:p>
-            <a:pPr marL="0" indent="0">
-              <a:buNone/>
-            </a:pPr>
-            <a:endParaRPr lang="en-US" smtClean="0"/>
-          </a:p>
-        </p:txBody>
-      </p:sp>
-      <p:sp>
-        <p:nvSpPr>
-          <p:cNvPr id="24" name="Slide Number Placeholder 23"/>
+              <a:rPr lang="en-US" smtClean="0">
+                <a:solidFill>
+                  <a:srgbClr val="000000"/>
+                </a:solidFill>
+                <a:latin typeface="+mj-lt"/>
+              </a:rPr>
+              <a:t>Phạm vi hệ thống:</a:t>
+            </a:r>
+          </a:p>
+          <a:p>
+            <a:pPr lvl="1"/>
+            <a:r>
+              <a:rPr lang="en-US" sz="2400" smtClean="0">
+                <a:solidFill>
+                  <a:srgbClr val="000000"/>
+                </a:solidFill>
+                <a:latin typeface="+mj-lt"/>
+              </a:rPr>
+              <a:t>Hệ thống triển khai trên môi trường web</a:t>
+            </a:r>
+          </a:p>
+          <a:p>
+            <a:r>
+              <a:rPr lang="en-US" smtClean="0">
+                <a:solidFill>
+                  <a:srgbClr val="000000"/>
+                </a:solidFill>
+                <a:latin typeface="+mj-lt"/>
+              </a:rPr>
+              <a:t>Công cụ phát triển</a:t>
+            </a:r>
+          </a:p>
+          <a:p>
+            <a:pPr lvl="1"/>
+            <a:r>
+              <a:rPr lang="en-US" sz="2400" smtClean="0">
+                <a:solidFill>
+                  <a:srgbClr val="000000"/>
+                </a:solidFill>
+                <a:latin typeface="+mj-lt"/>
+              </a:rPr>
+              <a:t>Công cụ lập trình: Netbeans IDE 7.4</a:t>
+            </a:r>
+          </a:p>
+          <a:p>
+            <a:pPr lvl="1"/>
+            <a:r>
+              <a:rPr lang="en-US" sz="2400" smtClean="0">
+                <a:solidFill>
+                  <a:srgbClr val="000000"/>
+                </a:solidFill>
+                <a:latin typeface="+mj-lt"/>
+              </a:rPr>
+              <a:t>Ngôn ngữ sử dụng:</a:t>
+            </a:r>
+          </a:p>
+          <a:p>
+            <a:pPr lvl="2"/>
+            <a:r>
+              <a:rPr lang="en-US" smtClean="0">
+                <a:solidFill>
+                  <a:srgbClr val="000000"/>
+                </a:solidFill>
+                <a:latin typeface="+mj-lt"/>
+              </a:rPr>
+              <a:t>Phía server: PHP</a:t>
+            </a:r>
+          </a:p>
+          <a:p>
+            <a:pPr lvl="2"/>
+            <a:r>
+              <a:rPr lang="en-US" smtClean="0">
+                <a:solidFill>
+                  <a:srgbClr val="000000"/>
+                </a:solidFill>
+                <a:latin typeface="+mj-lt"/>
+              </a:rPr>
+              <a:t>Phía client: Html, Css, Javascript, Boostrap</a:t>
+            </a:r>
+          </a:p>
+          <a:p>
+            <a:pPr lvl="1"/>
+            <a:r>
+              <a:rPr lang="en-US" sz="2400" smtClean="0">
+                <a:solidFill>
+                  <a:srgbClr val="000000"/>
+                </a:solidFill>
+                <a:latin typeface="+mj-lt"/>
+              </a:rPr>
+              <a:t>Môi trường: </a:t>
+            </a:r>
+          </a:p>
+          <a:p>
+            <a:pPr lvl="2"/>
+            <a:r>
+              <a:rPr lang="en-US" smtClean="0">
+                <a:solidFill>
+                  <a:srgbClr val="000000"/>
+                </a:solidFill>
+                <a:latin typeface="+mj-lt"/>
+              </a:rPr>
+              <a:t>Xampp v3.2.1</a:t>
+            </a:r>
+          </a:p>
+          <a:p>
+            <a:pPr lvl="1"/>
+            <a:r>
+              <a:rPr lang="en-US" sz="2400" smtClean="0">
+                <a:solidFill>
+                  <a:srgbClr val="000000"/>
+                </a:solidFill>
+                <a:latin typeface="+mj-lt"/>
+              </a:rPr>
+              <a:t>Hệ quản trị cơ sở dữ liệu:</a:t>
+            </a:r>
+          </a:p>
+          <a:p>
+            <a:pPr lvl="2"/>
+            <a:r>
+              <a:rPr lang="en-US" smtClean="0">
+                <a:solidFill>
+                  <a:srgbClr val="000000"/>
+                </a:solidFill>
+                <a:latin typeface="+mj-lt"/>
+              </a:rPr>
+              <a:t>MySQL</a:t>
+            </a:r>
+          </a:p>
+          <a:p>
+            <a:pPr lvl="2"/>
+            <a:endParaRPr lang="en-US">
+              <a:solidFill>
+                <a:srgbClr val="000000"/>
+              </a:solidFill>
+              <a:latin typeface="+mj-lt"/>
+            </a:endParaRPr>
+          </a:p>
+        </p:txBody>
+      </p:sp>
+      <p:sp>
+        <p:nvSpPr>
+          <p:cNvPr id="22" name="Slide Number Placeholder 21"/>
           <p:cNvSpPr>
             <a:spLocks noGrp="1"/>
           </p:cNvSpPr>
@@ -8245,36 +8367,7 @@
           </a:p>
         </p:txBody>
       </p:sp>
-      <p:pic>
-        <p:nvPicPr>
-          <p:cNvPr id="16" name="Picture 15"/>
-          <p:cNvPicPr>
-            <a:picLocks noChangeAspect="1"/>
-          </p:cNvPicPr>
-          <p:nvPr/>
-        </p:nvPicPr>
-        <p:blipFill>
-          <a:blip r:embed="rId2"/>
-          <a:stretch>
-            <a:fillRect/>
-          </a:stretch>
-        </p:blipFill>
-        <p:spPr>
-          <a:xfrm>
-            <a:off x="87086" y="1284286"/>
-            <a:ext cx="8980714" cy="5497513"/>
-          </a:xfrm>
-          <a:prstGeom prst="rect">
-            <a:avLst/>
-          </a:prstGeom>
-        </p:spPr>
-      </p:pic>
     </p:spTree>
-    <p:extLst>
-      <p:ext uri="{BB962C8B-B14F-4D97-AF65-F5344CB8AC3E}">
-        <p14:creationId xmlns:p14="http://schemas.microsoft.com/office/powerpoint/2010/main" val="1976894288"/>
-      </p:ext>
-    </p:extLst>
   </p:cSld>
   <p:clrMapOvr>
     <a:masterClrMapping/>
@@ -8348,7 +8441,7 @@
         <p:spPr>
           <a:xfrm>
             <a:off x="152400" y="1338263"/>
-            <a:ext cx="8534400" cy="5092700"/>
+            <a:ext cx="8839200" cy="5092700"/>
           </a:xfrm>
         </p:spPr>
         <p:txBody>
@@ -8362,136 +8455,26 @@
                 </a:solidFill>
                 <a:latin typeface="+mj-lt"/>
               </a:rPr>
-              <a:t>Phạm vi hệ thống:</a:t>
-            </a:r>
+              <a:t>Cấu trúc hệ thống:</a:t>
+            </a:r>
+            <a:endParaRPr lang="en-US" sz="2400">
+              <a:solidFill>
+                <a:srgbClr val="000000"/>
+              </a:solidFill>
+              <a:latin typeface="+mj-lt"/>
+            </a:endParaRPr>
           </a:p>
           <a:p>
             <a:pPr lvl="1"/>
             <a:r>
-              <a:rPr lang="en-US" sz="2400" smtClean="0">
+              <a:rPr lang="en-US" sz="2000" smtClean="0">
                 <a:solidFill>
                   <a:srgbClr val="000000"/>
                 </a:solidFill>
                 <a:latin typeface="+mj-lt"/>
               </a:rPr>
-              <a:t>Hệ thống triển khai trên môi trường web</a:t>
-            </a:r>
-          </a:p>
-          <a:p>
-            <a:r>
-              <a:rPr lang="en-US" smtClean="0">
-                <a:solidFill>
-                  <a:srgbClr val="000000"/>
-                </a:solidFill>
-                <a:latin typeface="+mj-lt"/>
-              </a:rPr>
-              <a:t>Công cụ phát triển</a:t>
-            </a:r>
-          </a:p>
-          <a:p>
-            <a:pPr lvl="1"/>
-            <a:r>
-              <a:rPr lang="en-US" sz="2400" smtClean="0">
-                <a:solidFill>
-                  <a:srgbClr val="000000"/>
-                </a:solidFill>
-                <a:latin typeface="+mj-lt"/>
-              </a:rPr>
-              <a:t>Công cụ lập trình: Netbeans IDE 7.4</a:t>
-            </a:r>
-          </a:p>
-          <a:p>
-            <a:pPr lvl="1"/>
-            <a:r>
-              <a:rPr lang="en-US" sz="2400" smtClean="0">
-                <a:solidFill>
-                  <a:srgbClr val="000000"/>
-                </a:solidFill>
-                <a:latin typeface="+mj-lt"/>
-              </a:rPr>
-              <a:t>Ngôn ngữ sử dụng:</a:t>
-            </a:r>
-          </a:p>
-          <a:p>
-            <a:pPr lvl="2"/>
-            <a:r>
-              <a:rPr lang="en-US" smtClean="0">
-                <a:solidFill>
-                  <a:srgbClr val="000000"/>
-                </a:solidFill>
-                <a:latin typeface="+mj-lt"/>
-              </a:rPr>
-              <a:t>Phía server: PHP</a:t>
-            </a:r>
-          </a:p>
-          <a:p>
-            <a:pPr lvl="2"/>
-            <a:r>
-              <a:rPr lang="en-US" smtClean="0">
-                <a:solidFill>
-                  <a:srgbClr val="000000"/>
-                </a:solidFill>
-                <a:latin typeface="+mj-lt"/>
-              </a:rPr>
-              <a:t>Phía client: Html, Css, Javascript, Boostrap</a:t>
-            </a:r>
-          </a:p>
-          <a:p>
-            <a:pPr lvl="1"/>
-            <a:r>
-              <a:rPr lang="en-US" sz="2400" smtClean="0">
-                <a:solidFill>
-                  <a:srgbClr val="000000"/>
-                </a:solidFill>
-                <a:latin typeface="+mj-lt"/>
-              </a:rPr>
-              <a:t>Môi trường: </a:t>
-            </a:r>
-          </a:p>
-          <a:p>
-            <a:pPr lvl="2"/>
-            <a:r>
-              <a:rPr lang="en-US" smtClean="0">
-                <a:solidFill>
-                  <a:srgbClr val="000000"/>
-                </a:solidFill>
-                <a:latin typeface="+mj-lt"/>
-              </a:rPr>
-              <a:t>Xampp v3.2.1</a:t>
-            </a:r>
-          </a:p>
-          <a:p>
-            <a:pPr lvl="1"/>
-            <a:r>
-              <a:rPr lang="en-US" sz="2400" smtClean="0">
-                <a:solidFill>
-                  <a:srgbClr val="000000"/>
-                </a:solidFill>
-                <a:latin typeface="+mj-lt"/>
-              </a:rPr>
-              <a:t>Hệ quản trị cơ sở dữ liệu:</a:t>
-            </a:r>
-          </a:p>
-          <a:p>
-            <a:pPr lvl="2"/>
-            <a:r>
-              <a:rPr lang="en-US" smtClean="0">
-                <a:solidFill>
-                  <a:srgbClr val="000000"/>
-                </a:solidFill>
-                <a:latin typeface="+mj-lt"/>
-              </a:rPr>
-              <a:t>MySQL</a:t>
-            </a:r>
-          </a:p>
-          <a:p>
-            <a:pPr lvl="2"/>
-            <a:endParaRPr lang="en-US">
-              <a:solidFill>
-                <a:srgbClr val="000000"/>
-              </a:solidFill>
-              <a:latin typeface="+mj-lt"/>
-            </a:endParaRPr>
+              <a:t>Chương trình được xây dựng theo mô hình MVC(Model,View,Controller)</a:t>
+            </a:r>
           </a:p>
         </p:txBody>
       </p:sp>
@@ -8520,7 +8503,34 @@
           </a:p>
         </p:txBody>
       </p:sp>
+      <p:pic>
+        <p:nvPicPr>
+          <p:cNvPr id="5" name="Picture 4" descr="12 MVC.png"/>
+          <p:cNvPicPr/>
+          <p:nvPr/>
+        </p:nvPicPr>
+        <p:blipFill>
+          <a:blip r:embed="rId2"/>
+          <a:stretch>
+            <a:fillRect/>
+          </a:stretch>
+        </p:blipFill>
+        <p:spPr>
+          <a:xfrm>
+            <a:off x="1676400" y="2362199"/>
+            <a:ext cx="5835650" cy="4068763"/>
+          </a:xfrm>
+          <a:prstGeom prst="rect">
+            <a:avLst/>
+          </a:prstGeom>
+        </p:spPr>
+      </p:pic>
     </p:spTree>
+    <p:extLst>
+      <p:ext uri="{BB962C8B-B14F-4D97-AF65-F5344CB8AC3E}">
+        <p14:creationId xmlns:p14="http://schemas.microsoft.com/office/powerpoint/2010/main" val="2246266130"/>
+      </p:ext>
+    </p:extLst>
   </p:cSld>
   <p:clrMapOvr>
     <a:masterClrMapping/>
@@ -8593,8 +8603,8 @@
         </p:nvSpPr>
         <p:spPr>
           <a:xfrm>
-            <a:off x="152400" y="1338263"/>
-            <a:ext cx="8839200" cy="5092700"/>
+            <a:off x="152400" y="1338262"/>
+            <a:ext cx="8839200" cy="5265737"/>
           </a:xfrm>
         </p:spPr>
         <p:txBody>
@@ -8608,7 +8618,7 @@
                 </a:solidFill>
                 <a:latin typeface="+mj-lt"/>
               </a:rPr>
-              <a:t>Cấu trúc hệ thống:</a:t>
+              <a:t>Một số giao diện chính:</a:t>
             </a:r>
             <a:endParaRPr lang="en-US" sz="2400">
               <a:solidFill>
@@ -8626,8 +8636,25 @@
                 </a:solidFill>
                 <a:latin typeface="+mj-lt"/>
               </a:rPr>
-              <a:t>Chương trình được xây dựng theo mô hình MVC(Model,View,Controller)</a:t>
-            </a:r>
+              <a:t>Giao diện tạo mới thông báo</a:t>
+            </a:r>
+            <a:endParaRPr lang="en-US" sz="2000">
+              <a:solidFill>
+                <a:srgbClr val="000000"/>
+              </a:solidFill>
+              <a:latin typeface="+mj-lt"/>
+            </a:endParaRPr>
+          </a:p>
+          <a:p>
+            <a:pPr marL="457200" lvl="1" indent="0">
+              <a:buNone/>
+            </a:pPr>
+            <a:endParaRPr lang="en-US" sz="2000" smtClean="0">
+              <a:solidFill>
+                <a:srgbClr val="000000"/>
+              </a:solidFill>
+              <a:latin typeface="+mj-lt"/>
+            </a:endParaRPr>
           </a:p>
         </p:txBody>
       </p:sp>
@@ -8658,20 +8685,28 @@
       </p:sp>
       <p:pic>
         <p:nvPicPr>
-          <p:cNvPr id="5" name="Picture 4" descr="12 MVC.png"/>
-          <p:cNvPicPr/>
+          <p:cNvPr id="4" name="Picture 3"/>
+          <p:cNvPicPr>
+            <a:picLocks noChangeAspect="1"/>
+          </p:cNvPicPr>
           <p:nvPr/>
         </p:nvPicPr>
         <p:blipFill>
-          <a:blip r:embed="rId2"/>
+          <a:blip r:embed="rId2">
+            <a:extLst>
+              <a:ext uri="{28A0092B-C50C-407E-A947-70E740481C1C}">
+                <a14:useLocalDpi xmlns:a14="http://schemas.microsoft.com/office/drawing/2010/main" val="0"/>
+              </a:ext>
+            </a:extLst>
+          </a:blip>
           <a:stretch>
             <a:fillRect/>
           </a:stretch>
         </p:blipFill>
         <p:spPr>
           <a:xfrm>
-            <a:off x="1784350" y="2362199"/>
-            <a:ext cx="5835650" cy="4068763"/>
+            <a:off x="914400" y="2212552"/>
+            <a:ext cx="7429500" cy="4391447"/>
           </a:xfrm>
           <a:prstGeom prst="rect">
             <a:avLst/>
@@ -8681,7 +8716,7 @@
     </p:spTree>
     <p:extLst>
       <p:ext uri="{BB962C8B-B14F-4D97-AF65-F5344CB8AC3E}">
-        <p14:creationId xmlns:p14="http://schemas.microsoft.com/office/powerpoint/2010/main" val="2246266130"/>
+        <p14:creationId xmlns:p14="http://schemas.microsoft.com/office/powerpoint/2010/main" val="526385505"/>
       </p:ext>
     </p:extLst>
   </p:cSld>
@@ -8789,7 +8824,7 @@
                 </a:solidFill>
                 <a:latin typeface="+mj-lt"/>
               </a:rPr>
-              <a:t>Giao diện trang chủ:</a:t>
+              <a:t>Giao diện liệt kê chủ đề trong chuyên mục</a:t>
             </a:r>
             <a:endParaRPr lang="en-US" sz="2000">
               <a:solidFill>
@@ -8838,7 +8873,7 @@
       </p:sp>
       <p:pic>
         <p:nvPicPr>
-          <p:cNvPr id="3" name="Picture 2"/>
+          <p:cNvPr id="6" name="Picture 5"/>
           <p:cNvPicPr>
             <a:picLocks noChangeAspect="1"/>
           </p:cNvPicPr>
@@ -8858,8 +8893,8 @@
         </p:blipFill>
         <p:spPr>
           <a:xfrm>
-            <a:off x="838200" y="2286000"/>
-            <a:ext cx="7696200" cy="4338268"/>
+            <a:off x="914400" y="2286000"/>
+            <a:ext cx="7467600" cy="4191000"/>
           </a:xfrm>
           <a:prstGeom prst="rect">
             <a:avLst/>
@@ -8869,7 +8904,7 @@
     </p:spTree>
     <p:extLst>
       <p:ext uri="{BB962C8B-B14F-4D97-AF65-F5344CB8AC3E}">
-        <p14:creationId xmlns:p14="http://schemas.microsoft.com/office/powerpoint/2010/main" val="3469631443"/>
+        <p14:creationId xmlns:p14="http://schemas.microsoft.com/office/powerpoint/2010/main" val="3017113558"/>
       </p:ext>
     </p:extLst>
   </p:cSld>
@@ -8977,7 +9012,7 @@
                 </a:solidFill>
                 <a:latin typeface="+mj-lt"/>
               </a:rPr>
-              <a:t>Giao diện tạo mới thông báo</a:t>
+              <a:t>Giao diện tạo mới chủ đề, cập nhật thông tin trên các thiết bị di động: </a:t>
             </a:r>
             <a:endParaRPr lang="en-US" sz="2000">
               <a:solidFill>
@@ -9026,7 +9061,7 @@
       </p:sp>
       <p:pic>
         <p:nvPicPr>
-          <p:cNvPr id="4" name="Picture 3"/>
+          <p:cNvPr id="9" name="Picture 8"/>
           <p:cNvPicPr>
             <a:picLocks noChangeAspect="1"/>
           </p:cNvPicPr>
@@ -9046,8 +9081,38 @@
         </p:blipFill>
         <p:spPr>
           <a:xfrm>
-            <a:off x="914400" y="2212552"/>
-            <a:ext cx="7429500" cy="4391447"/>
+            <a:off x="4648200" y="2152650"/>
+            <a:ext cx="4114800" cy="4572001"/>
+          </a:xfrm>
+          <a:prstGeom prst="rect">
+            <a:avLst/>
+          </a:prstGeom>
+        </p:spPr>
+      </p:pic>
+      <p:pic>
+        <p:nvPicPr>
+          <p:cNvPr id="10" name="Picture 9"/>
+          <p:cNvPicPr>
+            <a:picLocks noChangeAspect="1"/>
+          </p:cNvPicPr>
+          <p:nvPr/>
+        </p:nvPicPr>
+        <p:blipFill>
+          <a:blip r:embed="rId3">
+            <a:extLst>
+              <a:ext uri="{28A0092B-C50C-407E-A947-70E740481C1C}">
+                <a14:useLocalDpi xmlns:a14="http://schemas.microsoft.com/office/drawing/2010/main" val="0"/>
+              </a:ext>
+            </a:extLst>
+          </a:blip>
+          <a:stretch>
+            <a:fillRect/>
+          </a:stretch>
+        </p:blipFill>
+        <p:spPr>
+          <a:xfrm>
+            <a:off x="381000" y="2152650"/>
+            <a:ext cx="3899400" cy="4572001"/>
           </a:xfrm>
           <a:prstGeom prst="rect">
             <a:avLst/>
@@ -9057,7 +9122,7 @@
     </p:spTree>
     <p:extLst>
       <p:ext uri="{BB962C8B-B14F-4D97-AF65-F5344CB8AC3E}">
-        <p14:creationId xmlns:p14="http://schemas.microsoft.com/office/powerpoint/2010/main" val="526385505"/>
+        <p14:creationId xmlns:p14="http://schemas.microsoft.com/office/powerpoint/2010/main" val="3460678656"/>
       </p:ext>
     </p:extLst>
   </p:cSld>
@@ -9114,7 +9179,7 @@
             <a:pPr algn="l"/>
             <a:r>
               <a:rPr lang="en-US" smtClean="0"/>
-              <a:t>4. Xây dựng chương trình</a:t>
+              <a:t>5. Kết luận</a:t>
             </a:r>
             <a:endParaRPr lang="en-US"/>
           </a:p>
@@ -9147,7 +9212,19 @@
                 </a:solidFill>
                 <a:latin typeface="+mj-lt"/>
               </a:rPr>
-              <a:t>Một số giao diện chính:</a:t>
+              <a:t>Kết quả đạt được:</a:t>
+            </a:r>
+          </a:p>
+          <a:p>
+            <a:pPr lvl="1"/>
+            <a:r>
+              <a:rPr lang="en-US" sz="2400" smtClean="0">
+                <a:solidFill>
+                  <a:srgbClr val="000000"/>
+                </a:solidFill>
+                <a:latin typeface="+mj-lt"/>
+              </a:rPr>
+              <a:t>Về lý thuyết:</a:t>
             </a:r>
             <a:endParaRPr lang="en-US" sz="2400">
               <a:solidFill>
@@ -9157,7 +9234,7 @@
             </a:endParaRPr>
           </a:p>
           <a:p>
-            <a:pPr lvl="1"/>
+            <a:pPr lvl="2"/>
             <a:r>
               <a:rPr lang="en-US" sz="2000" smtClean="0">
                 <a:solidFill>
@@ -9165,14 +9242,124 @@
                 </a:solidFill>
                 <a:latin typeface="+mj-lt"/>
               </a:rPr>
-              <a:t>Giao diện liệt kê chủ đề trong chuyên mục</a:t>
-            </a:r>
-            <a:endParaRPr lang="en-US" sz="2000">
-              <a:solidFill>
-                <a:srgbClr val="000000"/>
-              </a:solidFill>
-              <a:latin typeface="+mj-lt"/>
-            </a:endParaRPr>
+              <a:t>Khảo sát được hiện trạng hệ thống</a:t>
+            </a:r>
+          </a:p>
+          <a:p>
+            <a:pPr lvl="2"/>
+            <a:r>
+              <a:rPr lang="en-US" sz="2000" smtClean="0">
+                <a:solidFill>
+                  <a:srgbClr val="000000"/>
+                </a:solidFill>
+                <a:latin typeface="+mj-lt"/>
+              </a:rPr>
+              <a:t>Nắm được quá trình phân tích thiết kế hệ thống theo hướng đối tượng</a:t>
+            </a:r>
+          </a:p>
+          <a:p>
+            <a:pPr lvl="2"/>
+            <a:r>
+              <a:rPr lang="en-US" sz="2000" smtClean="0">
+                <a:solidFill>
+                  <a:srgbClr val="000000"/>
+                </a:solidFill>
+                <a:latin typeface="+mj-lt"/>
+              </a:rPr>
+              <a:t>Thiết kế các chức năng cần thiết cho hệ thống</a:t>
+            </a:r>
+          </a:p>
+          <a:p>
+            <a:pPr lvl="2"/>
+            <a:r>
+              <a:rPr lang="en-US" sz="2000" smtClean="0">
+                <a:solidFill>
+                  <a:srgbClr val="000000"/>
+                </a:solidFill>
+                <a:latin typeface="+mj-lt"/>
+              </a:rPr>
+              <a:t>Thiết kế cơ sở dữ liệu phù hợp với hệ thống</a:t>
+            </a:r>
+          </a:p>
+          <a:p>
+            <a:pPr lvl="1"/>
+            <a:r>
+              <a:rPr lang="en-US">
+                <a:solidFill>
+                  <a:srgbClr val="000000"/>
+                </a:solidFill>
+                <a:latin typeface="+mj-lt"/>
+              </a:rPr>
+              <a:t> </a:t>
+            </a:r>
+            <a:r>
+              <a:rPr lang="en-US" sz="2400" smtClean="0">
+                <a:solidFill>
+                  <a:srgbClr val="000000"/>
+                </a:solidFill>
+                <a:latin typeface="+mj-lt"/>
+              </a:rPr>
+              <a:t>Về chương trình:</a:t>
+            </a:r>
+          </a:p>
+          <a:p>
+            <a:pPr lvl="2"/>
+            <a:r>
+              <a:rPr lang="en-US" sz="2000" smtClean="0">
+                <a:solidFill>
+                  <a:srgbClr val="000000"/>
+                </a:solidFill>
+                <a:latin typeface="+mj-lt"/>
+              </a:rPr>
+              <a:t>Xây dựng được một phần mềm thân thiện, đáp ứng được yêu cầu đề ra</a:t>
+            </a:r>
+          </a:p>
+          <a:p>
+            <a:r>
+              <a:rPr lang="en-US" smtClean="0">
+                <a:solidFill>
+                  <a:srgbClr val="000000"/>
+                </a:solidFill>
+                <a:latin typeface="+mj-lt"/>
+              </a:rPr>
+              <a:t>Hướng phát triển</a:t>
+            </a:r>
+          </a:p>
+          <a:p>
+            <a:pPr lvl="1"/>
+            <a:r>
+              <a:rPr lang="en-US" sz="2000" smtClean="0">
+                <a:solidFill>
+                  <a:srgbClr val="000000"/>
+                </a:solidFill>
+                <a:latin typeface="+mj-lt"/>
+              </a:rPr>
+              <a:t>Phát triển thêm các chức năng đánh giá chi tiết quá trình rèn luyện học sinh</a:t>
+            </a:r>
+          </a:p>
+          <a:p>
+            <a:pPr lvl="1"/>
+            <a:r>
+              <a:rPr lang="en-US" sz="2000" smtClean="0">
+                <a:solidFill>
+                  <a:srgbClr val="000000"/>
+                </a:solidFill>
+                <a:latin typeface="+mj-lt"/>
+              </a:rPr>
+              <a:t>Phát triển thêm các chức năng của diễn đàn,  trao đổi riêng tư</a:t>
+            </a:r>
+          </a:p>
+          <a:p>
+            <a:pPr lvl="1"/>
+            <a:r>
+              <a:rPr lang="en-US" sz="2000" smtClean="0">
+                <a:solidFill>
+                  <a:srgbClr val="000000"/>
+                </a:solidFill>
+                <a:latin typeface="+mj-lt"/>
+              </a:rPr>
+              <a:t>Hoàn thiện hệ thống để hiển thị, chạy tốt trên các thiết bị di động</a:t>
+            </a:r>
           </a:p>
           <a:p>
             <a:pPr marL="457200" lvl="1" indent="0">
@@ -9207,534 +9394,6 @@
               <a:rPr lang="en-US" smtClean="0"/>
               <a:pPr algn="r"/>
               <a:t>25</a:t>
-            </a:fld>
-            <a:endParaRPr lang="en-US"/>
-          </a:p>
-        </p:txBody>
-      </p:sp>
-      <p:pic>
-        <p:nvPicPr>
-          <p:cNvPr id="6" name="Picture 5"/>
-          <p:cNvPicPr>
-            <a:picLocks noChangeAspect="1"/>
-          </p:cNvPicPr>
-          <p:nvPr/>
-        </p:nvPicPr>
-        <p:blipFill>
-          <a:blip r:embed="rId2">
-            <a:extLst>
-              <a:ext uri="{28A0092B-C50C-407E-A947-70E740481C1C}">
-                <a14:useLocalDpi xmlns:a14="http://schemas.microsoft.com/office/drawing/2010/main" val="0"/>
-              </a:ext>
-            </a:extLst>
-          </a:blip>
-          <a:stretch>
-            <a:fillRect/>
-          </a:stretch>
-        </p:blipFill>
-        <p:spPr>
-          <a:xfrm>
-            <a:off x="914400" y="2286000"/>
-            <a:ext cx="7467600" cy="4191000"/>
-          </a:xfrm>
-          <a:prstGeom prst="rect">
-            <a:avLst/>
-          </a:prstGeom>
-        </p:spPr>
-      </p:pic>
-    </p:spTree>
-    <p:extLst>
-      <p:ext uri="{BB962C8B-B14F-4D97-AF65-F5344CB8AC3E}">
-        <p14:creationId xmlns:p14="http://schemas.microsoft.com/office/powerpoint/2010/main" val="3017113558"/>
-      </p:ext>
-    </p:extLst>
-  </p:cSld>
-  <p:clrMapOvr>
-    <a:masterClrMapping/>
-  </p:clrMapOvr>
-  <p:timing>
-    <p:tnLst>
-      <p:par>
-        <p:cTn id="1" dur="indefinite" restart="never" nodeType="tmRoot"/>
-      </p:par>
-    </p:tnLst>
-  </p:timing>
-</p:sld>
-</file>
-
-<file path=ppt/slides/slide26.xml><?xml version="1.0" encoding="utf-8"?>
-<p:sld xmlns:a="http://schemas.openxmlformats.org/drawingml/2006/main" xmlns:r="http://schemas.openxmlformats.org/officeDocument/2006/relationships" xmlns:p="http://schemas.openxmlformats.org/presentationml/2006/main">
-  <p:cSld>
-    <p:spTree>
-      <p:nvGrpSpPr>
-        <p:cNvPr id="1" name=""/>
-        <p:cNvGrpSpPr/>
-        <p:nvPr/>
-      </p:nvGrpSpPr>
-      <p:grpSpPr>
-        <a:xfrm>
-          <a:off x="0" y="0"/>
-          <a:ext cx="0" cy="0"/>
-          <a:chOff x="0" y="0"/>
-          <a:chExt cx="0" cy="0"/>
-        </a:xfrm>
-      </p:grpSpPr>
-      <p:sp>
-        <p:nvSpPr>
-          <p:cNvPr id="70658" name="Rectangle 2"/>
-          <p:cNvSpPr>
-            <a:spLocks noGrp="1" noChangeArrowheads="1"/>
-          </p:cNvSpPr>
-          <p:nvPr>
-            <p:ph type="title"/>
-          </p:nvPr>
-        </p:nvSpPr>
-        <p:spPr>
-          <a:xfrm>
-            <a:off x="0" y="547688"/>
-            <a:ext cx="8229600" cy="563562"/>
-          </a:xfrm>
-        </p:spPr>
-        <p:txBody>
-          <a:bodyPr/>
-          <a:lstStyle/>
-          <a:p>
-            <a:pPr algn="l"/>
-            <a:r>
-              <a:rPr lang="en-US" smtClean="0"/>
-              <a:t>4. Xây dựng chương trình</a:t>
-            </a:r>
-            <a:endParaRPr lang="en-US"/>
-          </a:p>
-        </p:txBody>
-      </p:sp>
-      <p:sp>
-        <p:nvSpPr>
-          <p:cNvPr id="2" name="Content Placeholder 1"/>
-          <p:cNvSpPr>
-            <a:spLocks noGrp="1"/>
-          </p:cNvSpPr>
-          <p:nvPr>
-            <p:ph idx="1"/>
-          </p:nvPr>
-        </p:nvSpPr>
-        <p:spPr>
-          <a:xfrm>
-            <a:off x="152400" y="1338262"/>
-            <a:ext cx="8839200" cy="5265737"/>
-          </a:xfrm>
-        </p:spPr>
-        <p:txBody>
-          <a:bodyPr/>
-          <a:lstStyle/>
-          <a:p>
-            <a:r>
-              <a:rPr lang="en-US" smtClean="0">
-                <a:solidFill>
-                  <a:srgbClr val="000000"/>
-                </a:solidFill>
-                <a:latin typeface="+mj-lt"/>
-              </a:rPr>
-              <a:t>Một số giao diện chính:</a:t>
-            </a:r>
-            <a:endParaRPr lang="en-US" sz="2400">
-              <a:solidFill>
-                <a:srgbClr val="000000"/>
-              </a:solidFill>
-              <a:latin typeface="+mj-lt"/>
-            </a:endParaRPr>
-          </a:p>
-          <a:p>
-            <a:pPr lvl="1"/>
-            <a:r>
-              <a:rPr lang="en-US" sz="2000" smtClean="0">
-                <a:solidFill>
-                  <a:srgbClr val="000000"/>
-                </a:solidFill>
-                <a:latin typeface="+mj-lt"/>
-              </a:rPr>
-              <a:t>Giao diện tạo mới chủ đề, cập nhật thông tin trên các thiết bị di động: </a:t>
-            </a:r>
-            <a:endParaRPr lang="en-US" sz="2000">
-              <a:solidFill>
-                <a:srgbClr val="000000"/>
-              </a:solidFill>
-              <a:latin typeface="+mj-lt"/>
-            </a:endParaRPr>
-          </a:p>
-          <a:p>
-            <a:pPr marL="457200" lvl="1" indent="0">
-              <a:buNone/>
-            </a:pPr>
-            <a:endParaRPr lang="en-US" sz="2000" smtClean="0">
-              <a:solidFill>
-                <a:srgbClr val="000000"/>
-              </a:solidFill>
-              <a:latin typeface="+mj-lt"/>
-            </a:endParaRPr>
-          </a:p>
-        </p:txBody>
-      </p:sp>
-      <p:sp>
-        <p:nvSpPr>
-          <p:cNvPr id="22" name="Slide Number Placeholder 21"/>
-          <p:cNvSpPr>
-            <a:spLocks noGrp="1"/>
-          </p:cNvSpPr>
-          <p:nvPr>
-            <p:ph type="sldNum" sz="quarter" idx="12"/>
-          </p:nvPr>
-        </p:nvSpPr>
-        <p:spPr/>
-        <p:txBody>
-          <a:bodyPr/>
-          <a:lstStyle/>
-          <a:p>
-            <a:pPr algn="r"/>
-            <a:fld id="{535D6FA7-04C9-4B9E-8C95-879248223DB6}" type="slidenum">
-              <a:rPr lang="en-US" smtClean="0"/>
-              <a:pPr algn="r"/>
-              <a:t>26</a:t>
-            </a:fld>
-            <a:endParaRPr lang="en-US"/>
-          </a:p>
-        </p:txBody>
-      </p:sp>
-      <p:pic>
-        <p:nvPicPr>
-          <p:cNvPr id="9" name="Picture 8"/>
-          <p:cNvPicPr>
-            <a:picLocks noChangeAspect="1"/>
-          </p:cNvPicPr>
-          <p:nvPr/>
-        </p:nvPicPr>
-        <p:blipFill>
-          <a:blip r:embed="rId2">
-            <a:extLst>
-              <a:ext uri="{28A0092B-C50C-407E-A947-70E740481C1C}">
-                <a14:useLocalDpi xmlns:a14="http://schemas.microsoft.com/office/drawing/2010/main" val="0"/>
-              </a:ext>
-            </a:extLst>
-          </a:blip>
-          <a:stretch>
-            <a:fillRect/>
-          </a:stretch>
-        </p:blipFill>
-        <p:spPr>
-          <a:xfrm>
-            <a:off x="4648200" y="2152650"/>
-            <a:ext cx="4114800" cy="4572001"/>
-          </a:xfrm>
-          <a:prstGeom prst="rect">
-            <a:avLst/>
-          </a:prstGeom>
-        </p:spPr>
-      </p:pic>
-      <p:pic>
-        <p:nvPicPr>
-          <p:cNvPr id="10" name="Picture 9"/>
-          <p:cNvPicPr>
-            <a:picLocks noChangeAspect="1"/>
-          </p:cNvPicPr>
-          <p:nvPr/>
-        </p:nvPicPr>
-        <p:blipFill>
-          <a:blip r:embed="rId3">
-            <a:extLst>
-              <a:ext uri="{28A0092B-C50C-407E-A947-70E740481C1C}">
-                <a14:useLocalDpi xmlns:a14="http://schemas.microsoft.com/office/drawing/2010/main" val="0"/>
-              </a:ext>
-            </a:extLst>
-          </a:blip>
-          <a:stretch>
-            <a:fillRect/>
-          </a:stretch>
-        </p:blipFill>
-        <p:spPr>
-          <a:xfrm>
-            <a:off x="381000" y="2152650"/>
-            <a:ext cx="3899400" cy="4572001"/>
-          </a:xfrm>
-          <a:prstGeom prst="rect">
-            <a:avLst/>
-          </a:prstGeom>
-        </p:spPr>
-      </p:pic>
-    </p:spTree>
-    <p:extLst>
-      <p:ext uri="{BB962C8B-B14F-4D97-AF65-F5344CB8AC3E}">
-        <p14:creationId xmlns:p14="http://schemas.microsoft.com/office/powerpoint/2010/main" val="3460678656"/>
-      </p:ext>
-    </p:extLst>
-  </p:cSld>
-  <p:clrMapOvr>
-    <a:masterClrMapping/>
-  </p:clrMapOvr>
-  <p:timing>
-    <p:tnLst>
-      <p:par>
-        <p:cTn id="1" dur="indefinite" restart="never" nodeType="tmRoot"/>
-      </p:par>
-    </p:tnLst>
-  </p:timing>
-</p:sld>
-</file>
-
-<file path=ppt/slides/slide27.xml><?xml version="1.0" encoding="utf-8"?>
-<p:sld xmlns:a="http://schemas.openxmlformats.org/drawingml/2006/main" xmlns:r="http://schemas.openxmlformats.org/officeDocument/2006/relationships" xmlns:p="http://schemas.openxmlformats.org/presentationml/2006/main">
-  <p:cSld>
-    <p:spTree>
-      <p:nvGrpSpPr>
-        <p:cNvPr id="1" name=""/>
-        <p:cNvGrpSpPr/>
-        <p:nvPr/>
-      </p:nvGrpSpPr>
-      <p:grpSpPr>
-        <a:xfrm>
-          <a:off x="0" y="0"/>
-          <a:ext cx="0" cy="0"/>
-          <a:chOff x="0" y="0"/>
-          <a:chExt cx="0" cy="0"/>
-        </a:xfrm>
-      </p:grpSpPr>
-      <p:sp>
-        <p:nvSpPr>
-          <p:cNvPr id="70658" name="Rectangle 2"/>
-          <p:cNvSpPr>
-            <a:spLocks noGrp="1" noChangeArrowheads="1"/>
-          </p:cNvSpPr>
-          <p:nvPr>
-            <p:ph type="title"/>
-          </p:nvPr>
-        </p:nvSpPr>
-        <p:spPr>
-          <a:xfrm>
-            <a:off x="0" y="547688"/>
-            <a:ext cx="8229600" cy="563562"/>
-          </a:xfrm>
-        </p:spPr>
-        <p:txBody>
-          <a:bodyPr/>
-          <a:lstStyle/>
-          <a:p>
-            <a:pPr algn="l"/>
-            <a:r>
-              <a:rPr lang="en-US" smtClean="0"/>
-              <a:t>5. Kết luận</a:t>
-            </a:r>
-            <a:endParaRPr lang="en-US"/>
-          </a:p>
-        </p:txBody>
-      </p:sp>
-      <p:sp>
-        <p:nvSpPr>
-          <p:cNvPr id="2" name="Content Placeholder 1"/>
-          <p:cNvSpPr>
-            <a:spLocks noGrp="1"/>
-          </p:cNvSpPr>
-          <p:nvPr>
-            <p:ph idx="1"/>
-          </p:nvPr>
-        </p:nvSpPr>
-        <p:spPr>
-          <a:xfrm>
-            <a:off x="152400" y="1338262"/>
-            <a:ext cx="8839200" cy="5265737"/>
-          </a:xfrm>
-        </p:spPr>
-        <p:txBody>
-          <a:bodyPr/>
-          <a:lstStyle/>
-          <a:p>
-            <a:r>
-              <a:rPr lang="en-US" smtClean="0">
-                <a:solidFill>
-                  <a:srgbClr val="000000"/>
-                </a:solidFill>
-                <a:latin typeface="+mj-lt"/>
-              </a:rPr>
-              <a:t>Kết quả đạt được:</a:t>
-            </a:r>
-          </a:p>
-          <a:p>
-            <a:pPr lvl="1"/>
-            <a:r>
-              <a:rPr lang="en-US" sz="2400" smtClean="0">
-                <a:solidFill>
-                  <a:srgbClr val="000000"/>
-                </a:solidFill>
-                <a:latin typeface="+mj-lt"/>
-              </a:rPr>
-              <a:t>Về lý thuyết:</a:t>
-            </a:r>
-            <a:endParaRPr lang="en-US" sz="2400">
-              <a:solidFill>
-                <a:srgbClr val="000000"/>
-              </a:solidFill>
-              <a:latin typeface="+mj-lt"/>
-            </a:endParaRPr>
-          </a:p>
-          <a:p>
-            <a:pPr lvl="2"/>
-            <a:r>
-              <a:rPr lang="en-US" sz="2000" smtClean="0">
-                <a:solidFill>
-                  <a:srgbClr val="000000"/>
-                </a:solidFill>
-                <a:latin typeface="+mj-lt"/>
-              </a:rPr>
-              <a:t>Khảo sát được hiện trạng hệ thống</a:t>
-            </a:r>
-          </a:p>
-          <a:p>
-            <a:pPr lvl="2"/>
-            <a:r>
-              <a:rPr lang="en-US" sz="2000" smtClean="0">
-                <a:solidFill>
-                  <a:srgbClr val="000000"/>
-                </a:solidFill>
-                <a:latin typeface="+mj-lt"/>
-              </a:rPr>
-              <a:t>Nắm được quá trình phân tích thiết kế hệ thống theo hướng đối tượng</a:t>
-            </a:r>
-          </a:p>
-          <a:p>
-            <a:pPr lvl="2"/>
-            <a:r>
-              <a:rPr lang="en-US" sz="2000" smtClean="0">
-                <a:solidFill>
-                  <a:srgbClr val="000000"/>
-                </a:solidFill>
-                <a:latin typeface="+mj-lt"/>
-              </a:rPr>
-              <a:t>Thiết kế các chức năng cần thiết cho hệ thống</a:t>
-            </a:r>
-          </a:p>
-          <a:p>
-            <a:pPr lvl="2"/>
-            <a:r>
-              <a:rPr lang="en-US" sz="2000" smtClean="0">
-                <a:solidFill>
-                  <a:srgbClr val="000000"/>
-                </a:solidFill>
-                <a:latin typeface="+mj-lt"/>
-              </a:rPr>
-              <a:t>Thiết kế cơ sở dữ liệu phù hợp với hệ thống</a:t>
-            </a:r>
-          </a:p>
-          <a:p>
-            <a:pPr lvl="1"/>
-            <a:r>
-              <a:rPr lang="en-US">
-                <a:solidFill>
-                  <a:srgbClr val="000000"/>
-                </a:solidFill>
-                <a:latin typeface="+mj-lt"/>
-              </a:rPr>
-              <a:t> </a:t>
-            </a:r>
-            <a:r>
-              <a:rPr lang="en-US" sz="2400" smtClean="0">
-                <a:solidFill>
-                  <a:srgbClr val="000000"/>
-                </a:solidFill>
-                <a:latin typeface="+mj-lt"/>
-              </a:rPr>
-              <a:t>Về chương trình:</a:t>
-            </a:r>
-          </a:p>
-          <a:p>
-            <a:pPr lvl="2"/>
-            <a:r>
-              <a:rPr lang="en-US" sz="2000" smtClean="0">
-                <a:solidFill>
-                  <a:srgbClr val="000000"/>
-                </a:solidFill>
-                <a:latin typeface="+mj-lt"/>
-              </a:rPr>
-              <a:t>Xây dựng được một phần mềm thân thiện, đáp ứng được yêu cầu đề ra</a:t>
-            </a:r>
-          </a:p>
-          <a:p>
-            <a:r>
-              <a:rPr lang="en-US" smtClean="0">
-                <a:solidFill>
-                  <a:srgbClr val="000000"/>
-                </a:solidFill>
-                <a:latin typeface="+mj-lt"/>
-              </a:rPr>
-              <a:t>Hướng phát triển</a:t>
-            </a:r>
-          </a:p>
-          <a:p>
-            <a:pPr lvl="1"/>
-            <a:r>
-              <a:rPr lang="en-US" sz="2000" smtClean="0">
-                <a:solidFill>
-                  <a:srgbClr val="000000"/>
-                </a:solidFill>
-                <a:latin typeface="+mj-lt"/>
-              </a:rPr>
-              <a:t>Phát triển thêm các chức năng đánh giá chi tiết quá trình rèn luyện học sinh</a:t>
-            </a:r>
-          </a:p>
-          <a:p>
-            <a:pPr lvl="1"/>
-            <a:r>
-              <a:rPr lang="en-US" sz="2000" smtClean="0">
-                <a:solidFill>
-                  <a:srgbClr val="000000"/>
-                </a:solidFill>
-                <a:latin typeface="+mj-lt"/>
-              </a:rPr>
-              <a:t>Phát triển thêm các chức năng của diễn đàn,  trao đổi riêng tư</a:t>
-            </a:r>
-          </a:p>
-          <a:p>
-            <a:pPr lvl="1"/>
-            <a:r>
-              <a:rPr lang="en-US" sz="2000" smtClean="0">
-                <a:solidFill>
-                  <a:srgbClr val="000000"/>
-                </a:solidFill>
-                <a:latin typeface="+mj-lt"/>
-              </a:rPr>
-              <a:t>Hoàn thiện hệ thống để hiển thị, chạy tốt trên các thiết bị di động</a:t>
-            </a:r>
-          </a:p>
-          <a:p>
-            <a:pPr marL="457200" lvl="1" indent="0">
-              <a:buNone/>
-            </a:pPr>
-            <a:endParaRPr lang="en-US" sz="2000" smtClean="0">
-              <a:solidFill>
-                <a:srgbClr val="000000"/>
-              </a:solidFill>
-              <a:latin typeface="+mj-lt"/>
-            </a:endParaRPr>
-          </a:p>
-        </p:txBody>
-      </p:sp>
-      <p:sp>
-        <p:nvSpPr>
-          <p:cNvPr id="22" name="Slide Number Placeholder 21"/>
-          <p:cNvSpPr>
-            <a:spLocks noGrp="1"/>
-          </p:cNvSpPr>
-          <p:nvPr>
-            <p:ph type="sldNum" sz="quarter" idx="12"/>
-          </p:nvPr>
-        </p:nvSpPr>
-        <p:spPr/>
-        <p:txBody>
-          <a:bodyPr/>
-          <a:lstStyle/>
-          <a:p>
-            <a:pPr algn="r"/>
-            <a:fld id="{535D6FA7-04C9-4B9E-8C95-879248223DB6}" type="slidenum">
-              <a:rPr lang="en-US" smtClean="0"/>
-              <a:pPr algn="r"/>
-              <a:t>27</a:t>
             </a:fld>
             <a:endParaRPr lang="en-US"/>
           </a:p>
@@ -9760,7 +9419,7 @@
 </p:sld>
 </file>
 
-<file path=ppt/slides/slide28.xml><?xml version="1.0" encoding="utf-8"?>
+<file path=ppt/slides/slide26.xml><?xml version="1.0" encoding="utf-8"?>
 <p:sld xmlns:a="http://schemas.openxmlformats.org/drawingml/2006/main" xmlns:r="http://schemas.openxmlformats.org/officeDocument/2006/relationships" xmlns:p="http://schemas.openxmlformats.org/presentationml/2006/main">
   <p:cSld>
     <p:spTree>
@@ -10414,7 +10073,7 @@
           <p:nvPr/>
         </p:nvPicPr>
         <p:blipFill>
-          <a:blip r:embed="rId2"/>
+          <a:blip r:embed="rId3"/>
           <a:stretch>
             <a:fillRect/>
           </a:stretch>
@@ -11470,7 +11129,7 @@
             <a:pPr algn="l"/>
             <a:r>
               <a:rPr lang="en-US" smtClean="0"/>
-              <a:t>2. Thiết kế chức năng</a:t>
+              <a:t>Nội dung công việc</a:t>
             </a:r>
             <a:endParaRPr lang="en-US"/>
           </a:p>
@@ -11530,8 +11189,74 @@
                 </a:solidFill>
                 <a:latin typeface="+mj-lt"/>
               </a:rPr>
-              <a:t>Biểu đồ use case tổng thể</a:t>
-            </a:r>
+              <a:t>Phân tích và thiết kế hệ thống</a:t>
+            </a:r>
+          </a:p>
+          <a:p>
+            <a:pPr lvl="1"/>
+            <a:r>
+              <a:rPr lang="en-US" smtClean="0">
+                <a:solidFill>
+                  <a:schemeClr val="bg2">
+                    <a:lumMod val="10000"/>
+                  </a:schemeClr>
+                </a:solidFill>
+                <a:latin typeface="+mj-lt"/>
+              </a:rPr>
+              <a:t>Phương pháp phân tích hướng đối tượng</a:t>
+            </a:r>
+          </a:p>
+          <a:p>
+            <a:pPr lvl="1"/>
+            <a:r>
+              <a:rPr lang="en-US" smtClean="0">
+                <a:solidFill>
+                  <a:schemeClr val="bg2">
+                    <a:lumMod val="10000"/>
+                  </a:schemeClr>
+                </a:solidFill>
+                <a:latin typeface="+mj-lt"/>
+              </a:rPr>
+              <a:t>Mô hình chức năng</a:t>
+            </a:r>
+          </a:p>
+          <a:p>
+            <a:pPr lvl="1"/>
+            <a:r>
+              <a:rPr lang="en-US" smtClean="0">
+                <a:solidFill>
+                  <a:schemeClr val="bg2">
+                    <a:lumMod val="10000"/>
+                  </a:schemeClr>
+                </a:solidFill>
+                <a:latin typeface="+mj-lt"/>
+              </a:rPr>
+              <a:t>Mô hình dữ liệu</a:t>
+            </a:r>
+          </a:p>
+          <a:p>
+            <a:r>
+              <a:rPr lang="en-US" smtClean="0">
+                <a:solidFill>
+                  <a:schemeClr val="bg2">
+                    <a:lumMod val="10000"/>
+                  </a:schemeClr>
+                </a:solidFill>
+                <a:latin typeface="+mj-lt"/>
+              </a:rPr>
+              <a:t>Xây dựng chương trình</a:t>
+            </a:r>
+          </a:p>
+          <a:p>
+            <a:pPr lvl="1"/>
+            <a:endParaRPr lang="en-US" smtClean="0">
+              <a:solidFill>
+                <a:schemeClr val="bg2">
+                  <a:lumMod val="10000"/>
+                </a:schemeClr>
+              </a:solidFill>
+              <a:latin typeface="+mj-lt"/>
+            </a:endParaRPr>
           </a:p>
           <a:p>
             <a:pPr marL="0" indent="0">
@@ -11548,30 +11273,6 @@
           </a:p>
         </p:txBody>
       </p:sp>
-      <p:pic>
-        <p:nvPicPr>
-          <p:cNvPr id="5" name="Picture 4"/>
-          <p:cNvPicPr>
-            <a:picLocks noChangeAspect="1"/>
-          </p:cNvPicPr>
-          <p:nvPr/>
-        </p:nvPicPr>
-        <p:blipFill>
-          <a:blip r:embed="rId2"/>
-          <a:stretch>
-            <a:fillRect/>
-          </a:stretch>
-        </p:blipFill>
-        <p:spPr>
-          <a:xfrm>
-            <a:off x="228600" y="1828800"/>
-            <a:ext cx="8763000" cy="4775200"/>
-          </a:xfrm>
-          <a:prstGeom prst="rect">
-            <a:avLst/>
-          </a:prstGeom>
-        </p:spPr>
-      </p:pic>
     </p:spTree>
     <p:extLst>
       <p:ext uri="{BB962C8B-B14F-4D97-AF65-F5344CB8AC3E}">
@@ -11632,35 +11333,7 @@
             <a:pPr algn="l"/>
             <a:r>
               <a:rPr lang="en-US" smtClean="0"/>
-              <a:t>2. Thiết kế chức năng</a:t>
-            </a:r>
-            <a:endParaRPr lang="en-US"/>
-          </a:p>
-        </p:txBody>
-      </p:sp>
-      <p:sp>
-        <p:nvSpPr>
-          <p:cNvPr id="2" name="Content Placeholder 1"/>
-          <p:cNvSpPr>
-            <a:spLocks noGrp="1"/>
-          </p:cNvSpPr>
-          <p:nvPr>
-            <p:ph idx="1"/>
-          </p:nvPr>
-        </p:nvSpPr>
-        <p:spPr>
-          <a:xfrm>
-            <a:off x="228600" y="1338263"/>
-            <a:ext cx="8458200" cy="5092700"/>
-          </a:xfrm>
-        </p:spPr>
-        <p:txBody>
-          <a:bodyPr/>
-          <a:lstStyle/>
-          <a:p>
-            <a:r>
-              <a:rPr lang="en-US" smtClean="0"/>
-              <a:t>Biểu đồ use case “Quản lý danh sách liên lạc”</a:t>
+              <a:t>2. Mô hình chức năng</a:t>
             </a:r>
             <a:endParaRPr lang="en-US"/>
           </a:p>
@@ -11691,24 +11364,71 @@
           </a:p>
         </p:txBody>
       </p:sp>
+      <p:sp>
+        <p:nvSpPr>
+          <p:cNvPr id="28" name="Content Placeholder 27"/>
+          <p:cNvSpPr>
+            <a:spLocks noGrp="1"/>
+          </p:cNvSpPr>
+          <p:nvPr>
+            <p:ph idx="1"/>
+          </p:nvPr>
+        </p:nvSpPr>
+        <p:spPr>
+          <a:xfrm>
+            <a:off x="152400" y="1371600"/>
+            <a:ext cx="8991600" cy="5092700"/>
+          </a:xfrm>
+        </p:spPr>
+        <p:txBody>
+          <a:bodyPr/>
+          <a:lstStyle/>
+          <a:p>
+            <a:r>
+              <a:rPr lang="en-US" smtClean="0">
+                <a:solidFill>
+                  <a:schemeClr val="bg2">
+                    <a:lumMod val="10000"/>
+                  </a:schemeClr>
+                </a:solidFill>
+                <a:latin typeface="+mj-lt"/>
+              </a:rPr>
+              <a:t>Biểu đồ use case tổng thể</a:t>
+            </a:r>
+          </a:p>
+          <a:p>
+            <a:pPr marL="0" indent="0">
+              <a:buNone/>
+            </a:pPr>
+            <a:endParaRPr lang="en-US" smtClean="0">
+              <a:solidFill>
+                <a:schemeClr val="bg2">
+                  <a:lumMod val="10000"/>
+                </a:schemeClr>
+              </a:solidFill>
+              <a:latin typeface="+mj-lt"/>
+            </a:endParaRPr>
+          </a:p>
+        </p:txBody>
+      </p:sp>
       <p:pic>
         <p:nvPicPr>
-          <p:cNvPr id="4" name="Picture 3"/>
+          <p:cNvPr id="5" name="Picture 4"/>
           <p:cNvPicPr>
             <a:picLocks noChangeAspect="1"/>
           </p:cNvPicPr>
           <p:nvPr/>
         </p:nvPicPr>
         <p:blipFill>
-          <a:blip r:embed="rId3"/>
+          <a:blip r:embed="rId2"/>
           <a:stretch>
             <a:fillRect/>
           </a:stretch>
         </p:blipFill>
         <p:spPr>
           <a:xfrm>
-            <a:off x="381001" y="1905001"/>
-            <a:ext cx="8534400" cy="4752976"/>
+            <a:off x="228600" y="1828800"/>
+            <a:ext cx="8763000" cy="4775200"/>
           </a:xfrm>
           <a:prstGeom prst="rect">
             <a:avLst/>
@@ -11716,6 +11436,11 @@
         </p:spPr>
       </p:pic>
     </p:spTree>
+    <p:extLst>
+      <p:ext uri="{BB962C8B-B14F-4D97-AF65-F5344CB8AC3E}">
+        <p14:creationId xmlns:p14="http://schemas.microsoft.com/office/powerpoint/2010/main" val="3517070333"/>
+      </p:ext>
+    </p:extLst>
   </p:cSld>
   <p:clrMapOvr>
     <a:masterClrMapping/>
@@ -11770,7 +11495,7 @@
             <a:pPr algn="l"/>
             <a:r>
               <a:rPr lang="en-US" smtClean="0"/>
-              <a:t>2. Thiết kế chức năng</a:t>
+              <a:t>2. Mô hình chức năng</a:t>
             </a:r>
             <a:endParaRPr lang="en-US"/>
           </a:p>
@@ -11913,7 +11638,7 @@
             <a:pPr algn="l"/>
             <a:r>
               <a:rPr lang="en-US" smtClean="0"/>
-              <a:t>2. Thiết kế chức năng</a:t>
+              <a:t>2. Mô hình chức năng</a:t>
             </a:r>
             <a:endParaRPr lang="en-US"/>
           </a:p>
